--- a/FInal_Project_Faming_Template - ManeFlow.pptx
+++ b/FInal_Project_Faming_Template - ManeFlow.pptx
@@ -121,7 +121,7 @@
 <p1510:revInfo xmlns:a="http://schemas.openxmlformats.org/drawingml/2006/main" xmlns:r="http://schemas.openxmlformats.org/officeDocument/2006/relationships" xmlns:p1510="http://schemas.microsoft.com/office/powerpoint/2015/10/main">
   <p1510:revLst>
     <p1510:client id="{015E7F30-C2A8-2424-E254-F073D21A4282}" v="6" dt="2025-12-16T23:28:44.922"/>
-    <p1510:client id="{0EC10487-22F3-8457-DC35-7166A407425A}" v="361" dt="2025-12-18T19:20:25.232"/>
+    <p1510:client id="{0EC10487-22F3-8457-DC35-7166A407425A}" v="368" dt="2025-12-18T22:02:56.627"/>
   </p1510:revLst>
 </p1510:revInfo>
 </file>
@@ -6195,6 +6195,36 @@
           </a:graphicData>
         </a:graphic>
       </p:graphicFrame>
+      <p:pic>
+        <p:nvPicPr>
+          <p:cNvPr id="3" name="Picture 2" descr="A diagram of a company&#10;&#10;AI-generated content may be incorrect.">
+            <a:extLst>
+              <a:ext uri="{FF2B5EF4-FFF2-40B4-BE49-F238E27FC236}">
+                <a16:creationId xmlns:a16="http://schemas.microsoft.com/office/drawing/2014/main" id="{35BD4002-674F-27EF-90B2-78525A9C87E6}"/>
+              </a:ext>
+            </a:extLst>
+          </p:cNvPr>
+          <p:cNvPicPr>
+            <a:picLocks noChangeAspect="1"/>
+          </p:cNvPicPr>
+          <p:nvPr/>
+        </p:nvPicPr>
+        <p:blipFill>
+          <a:blip r:embed="rId2"/>
+          <a:stretch>
+            <a:fillRect/>
+          </a:stretch>
+        </p:blipFill>
+        <p:spPr>
+          <a:xfrm>
+            <a:off x="829401" y="1760112"/>
+            <a:ext cx="10522467" cy="5097888"/>
+          </a:xfrm>
+          <a:prstGeom prst="rect">
+            <a:avLst/>
+          </a:prstGeom>
+        </p:spPr>
+      </p:pic>
     </p:spTree>
     <p:extLst>
       <p:ext uri="{BB962C8B-B14F-4D97-AF65-F5344CB8AC3E}">
